--- a/Fluxograma.pptx
+++ b/Fluxograma.pptx
@@ -104,6 +104,11 @@
       </a:defRPr>
     </a:lvl9pPr>
   </p:defaultTextStyle>
+  <p:extLst>
+    <p:ext uri="{EFAFB233-063F-42B5-8137-9DF3F51BA10A}">
+      <p15:sldGuideLst xmlns:p15="http://schemas.microsoft.com/office/powerpoint/2012/main"/>
+    </p:ext>
+  </p:extLst>
 </p:presentation>
 </file>
 
@@ -256,7 +261,7 @@
           <a:p>
             <a:fld id="{1BCA2795-14D5-4852-8559-E825E20B9A9B}" type="datetimeFigureOut">
               <a:rPr lang="en-US" smtClean="0"/>
-              <a:t>10/13/2020</a:t>
+              <a:t>10/14/2020</a:t>
             </a:fld>
             <a:endParaRPr lang="en-US"/>
           </a:p>
@@ -456,7 +461,7 @@
           <a:p>
             <a:fld id="{1BCA2795-14D5-4852-8559-E825E20B9A9B}" type="datetimeFigureOut">
               <a:rPr lang="en-US" smtClean="0"/>
-              <a:t>10/13/2020</a:t>
+              <a:t>10/14/2020</a:t>
             </a:fld>
             <a:endParaRPr lang="en-US"/>
           </a:p>
@@ -666,7 +671,7 @@
           <a:p>
             <a:fld id="{1BCA2795-14D5-4852-8559-E825E20B9A9B}" type="datetimeFigureOut">
               <a:rPr lang="en-US" smtClean="0"/>
-              <a:t>10/13/2020</a:t>
+              <a:t>10/14/2020</a:t>
             </a:fld>
             <a:endParaRPr lang="en-US"/>
           </a:p>
@@ -866,7 +871,7 @@
           <a:p>
             <a:fld id="{1BCA2795-14D5-4852-8559-E825E20B9A9B}" type="datetimeFigureOut">
               <a:rPr lang="en-US" smtClean="0"/>
-              <a:t>10/13/2020</a:t>
+              <a:t>10/14/2020</a:t>
             </a:fld>
             <a:endParaRPr lang="en-US"/>
           </a:p>
@@ -1142,7 +1147,7 @@
           <a:p>
             <a:fld id="{1BCA2795-14D5-4852-8559-E825E20B9A9B}" type="datetimeFigureOut">
               <a:rPr lang="en-US" smtClean="0"/>
-              <a:t>10/13/2020</a:t>
+              <a:t>10/14/2020</a:t>
             </a:fld>
             <a:endParaRPr lang="en-US"/>
           </a:p>
@@ -1410,7 +1415,7 @@
           <a:p>
             <a:fld id="{1BCA2795-14D5-4852-8559-E825E20B9A9B}" type="datetimeFigureOut">
               <a:rPr lang="en-US" smtClean="0"/>
-              <a:t>10/13/2020</a:t>
+              <a:t>10/14/2020</a:t>
             </a:fld>
             <a:endParaRPr lang="en-US"/>
           </a:p>
@@ -1825,7 +1830,7 @@
           <a:p>
             <a:fld id="{1BCA2795-14D5-4852-8559-E825E20B9A9B}" type="datetimeFigureOut">
               <a:rPr lang="en-US" smtClean="0"/>
-              <a:t>10/13/2020</a:t>
+              <a:t>10/14/2020</a:t>
             </a:fld>
             <a:endParaRPr lang="en-US"/>
           </a:p>
@@ -1967,7 +1972,7 @@
           <a:p>
             <a:fld id="{1BCA2795-14D5-4852-8559-E825E20B9A9B}" type="datetimeFigureOut">
               <a:rPr lang="en-US" smtClean="0"/>
-              <a:t>10/13/2020</a:t>
+              <a:t>10/14/2020</a:t>
             </a:fld>
             <a:endParaRPr lang="en-US"/>
           </a:p>
@@ -2080,7 +2085,7 @@
           <a:p>
             <a:fld id="{1BCA2795-14D5-4852-8559-E825E20B9A9B}" type="datetimeFigureOut">
               <a:rPr lang="en-US" smtClean="0"/>
-              <a:t>10/13/2020</a:t>
+              <a:t>10/14/2020</a:t>
             </a:fld>
             <a:endParaRPr lang="en-US"/>
           </a:p>
@@ -2393,7 +2398,7 @@
           <a:p>
             <a:fld id="{1BCA2795-14D5-4852-8559-E825E20B9A9B}" type="datetimeFigureOut">
               <a:rPr lang="en-US" smtClean="0"/>
-              <a:t>10/13/2020</a:t>
+              <a:t>10/14/2020</a:t>
             </a:fld>
             <a:endParaRPr lang="en-US"/>
           </a:p>
@@ -2682,7 +2687,7 @@
           <a:p>
             <a:fld id="{1BCA2795-14D5-4852-8559-E825E20B9A9B}" type="datetimeFigureOut">
               <a:rPr lang="en-US" smtClean="0"/>
-              <a:t>10/13/2020</a:t>
+              <a:t>10/14/2020</a:t>
             </a:fld>
             <a:endParaRPr lang="en-US"/>
           </a:p>
@@ -2925,7 +2930,7 @@
           <a:p>
             <a:fld id="{1BCA2795-14D5-4852-8559-E825E20B9A9B}" type="datetimeFigureOut">
               <a:rPr lang="en-US" smtClean="0"/>
-              <a:t>10/13/2020</a:t>
+              <a:t>10/14/2020</a:t>
             </a:fld>
             <a:endParaRPr lang="en-US"/>
           </a:p>
@@ -3610,7 +3615,19 @@
             <a:pPr algn="ctr"/>
             <a:r>
               <a:rPr lang="en-US" sz="1200" dirty="0"/>
-              <a:t>Is target room?</a:t>
+              <a:t>Is target </a:t>
+            </a:r>
+            <a:r>
+              <a:rPr lang="en-US" sz="1200" dirty="0" err="1"/>
+              <a:t>roo</a:t>
+            </a:r>
+            <a:r>
+              <a:rPr lang="en-US" sz="1200"/>
+              <a:t> m</a:t>
+            </a:r>
+            <a:r>
+              <a:rPr lang="en-US" sz="1200" dirty="0"/>
+              <a:t>?</a:t>
             </a:r>
           </a:p>
         </p:txBody>
@@ -4111,7 +4128,7 @@
           <a:noFill/>
         </p:spPr>
         <p:txBody>
-          <a:bodyPr wrap="none" rtlCol="0">
+          <a:bodyPr wrap="square" rtlCol="0">
             <a:spAutoFit/>
           </a:bodyPr>
           <a:lstStyle/>
@@ -5181,6 +5198,170 @@
           <a:xfrm>
             <a:off x="9353952" y="2045236"/>
             <a:ext cx="14255" cy="1932404"/>
+          </a:xfrm>
+          <a:prstGeom prst="line">
+            <a:avLst/>
+          </a:prstGeom>
+        </p:spPr>
+        <p:style>
+          <a:lnRef idx="1">
+            <a:schemeClr val="dk1"/>
+          </a:lnRef>
+          <a:fillRef idx="0">
+            <a:schemeClr val="dk1"/>
+          </a:fillRef>
+          <a:effectRef idx="0">
+            <a:schemeClr val="dk1"/>
+          </a:effectRef>
+          <a:fontRef idx="minor">
+            <a:schemeClr val="tx1"/>
+          </a:fontRef>
+        </p:style>
+      </p:cxnSp>
+      <p:sp>
+        <p:nvSpPr>
+          <p:cNvPr id="2" name="Retângulo 1">
+            <a:extLst>
+              <a:ext uri="{FF2B5EF4-FFF2-40B4-BE49-F238E27FC236}">
+                <a16:creationId xmlns:a16="http://schemas.microsoft.com/office/drawing/2014/main" id="{2D152205-DBEC-47DB-8B85-97DBF64F19E1}"/>
+              </a:ext>
+            </a:extLst>
+          </p:cNvPr>
+          <p:cNvSpPr/>
+          <p:nvPr/>
+        </p:nvSpPr>
+        <p:spPr>
+          <a:xfrm>
+            <a:off x="3951879" y="2565958"/>
+            <a:ext cx="839835" cy="388524"/>
+          </a:xfrm>
+          <a:prstGeom prst="rect">
+            <a:avLst/>
+          </a:prstGeom>
+        </p:spPr>
+        <p:style>
+          <a:lnRef idx="2">
+            <a:schemeClr val="dk1"/>
+          </a:lnRef>
+          <a:fillRef idx="1">
+            <a:schemeClr val="lt1"/>
+          </a:fillRef>
+          <a:effectRef idx="0">
+            <a:schemeClr val="dk1"/>
+          </a:effectRef>
+          <a:fontRef idx="minor">
+            <a:schemeClr val="dk1"/>
+          </a:fontRef>
+        </p:style>
+        <p:txBody>
+          <a:bodyPr rtlCol="0" anchor="ctr"/>
+          <a:lstStyle/>
+          <a:p>
+            <a:pPr algn="ctr"/>
+            <a:r>
+              <a:rPr lang="en-US" sz="1200" dirty="0"/>
+              <a:t>Explore room</a:t>
+            </a:r>
+          </a:p>
+        </p:txBody>
+      </p:sp>
+      <p:cxnSp>
+        <p:nvCxnSpPr>
+          <p:cNvPr id="49" name="Conexão reta unidirecional 48">
+            <a:extLst>
+              <a:ext uri="{FF2B5EF4-FFF2-40B4-BE49-F238E27FC236}">
+                <a16:creationId xmlns:a16="http://schemas.microsoft.com/office/drawing/2014/main" id="{D9D36DB5-979B-4976-B5D5-89C4A98514A9}"/>
+              </a:ext>
+            </a:extLst>
+          </p:cNvPr>
+          <p:cNvCxnSpPr>
+            <a:cxnSpLocks/>
+            <a:stCxn id="33" idx="2"/>
+            <a:endCxn id="2" idx="0"/>
+          </p:cNvCxnSpPr>
+          <p:nvPr/>
+        </p:nvCxnSpPr>
+        <p:spPr>
+          <a:xfrm flipH="1">
+            <a:off x="4371797" y="2047240"/>
+            <a:ext cx="2400" cy="518718"/>
+          </a:xfrm>
+          <a:prstGeom prst="straightConnector1">
+            <a:avLst/>
+          </a:prstGeom>
+          <a:ln>
+            <a:tailEnd type="triangle"/>
+          </a:ln>
+        </p:spPr>
+        <p:style>
+          <a:lnRef idx="1">
+            <a:schemeClr val="dk1"/>
+          </a:lnRef>
+          <a:fillRef idx="0">
+            <a:schemeClr val="dk1"/>
+          </a:fillRef>
+          <a:effectRef idx="0">
+            <a:schemeClr val="dk1"/>
+          </a:effectRef>
+          <a:fontRef idx="minor">
+            <a:schemeClr val="tx1"/>
+          </a:fontRef>
+        </p:style>
+      </p:cxnSp>
+      <p:sp>
+        <p:nvSpPr>
+          <p:cNvPr id="6" name="CaixaDeTexto 5">
+            <a:extLst>
+              <a:ext uri="{FF2B5EF4-FFF2-40B4-BE49-F238E27FC236}">
+                <a16:creationId xmlns:a16="http://schemas.microsoft.com/office/drawing/2014/main" id="{0868C180-A2B2-40AC-AED9-4D00D8BFCCAD}"/>
+              </a:ext>
+            </a:extLst>
+          </p:cNvPr>
+          <p:cNvSpPr txBox="1"/>
+          <p:nvPr/>
+        </p:nvSpPr>
+        <p:spPr>
+          <a:xfrm>
+            <a:off x="4348105" y="2041635"/>
+            <a:ext cx="778996" cy="276999"/>
+          </a:xfrm>
+          <a:prstGeom prst="rect">
+            <a:avLst/>
+          </a:prstGeom>
+          <a:noFill/>
+        </p:spPr>
+        <p:txBody>
+          <a:bodyPr wrap="square" rtlCol="0">
+            <a:spAutoFit/>
+          </a:bodyPr>
+          <a:lstStyle/>
+          <a:p>
+            <a:r>
+              <a:rPr lang="en-US" sz="1200" dirty="0"/>
+              <a:t>‘explore’</a:t>
+            </a:r>
+          </a:p>
+        </p:txBody>
+      </p:sp>
+      <p:cxnSp>
+        <p:nvCxnSpPr>
+          <p:cNvPr id="54" name="Conexão reta 53">
+            <a:extLst>
+              <a:ext uri="{FF2B5EF4-FFF2-40B4-BE49-F238E27FC236}">
+                <a16:creationId xmlns:a16="http://schemas.microsoft.com/office/drawing/2014/main" id="{A4C7D3E1-F963-4601-9E4B-0468300779C4}"/>
+              </a:ext>
+            </a:extLst>
+          </p:cNvPr>
+          <p:cNvCxnSpPr>
+            <a:cxnSpLocks/>
+            <a:stCxn id="2" idx="2"/>
+          </p:cNvCxnSpPr>
+          <p:nvPr/>
+        </p:nvCxnSpPr>
+        <p:spPr>
+          <a:xfrm>
+            <a:off x="4371797" y="2954482"/>
+            <a:ext cx="0" cy="1023158"/>
           </a:xfrm>
           <a:prstGeom prst="line">
             <a:avLst/>
